--- a/img/ip_tree_small_source.pptx
+++ b/img/ip_tree_small_source.pptx
@@ -104,6 +104,11 @@
       </a:defRPr>
     </a:lvl9pPr>
   </p:defaultTextStyle>
+  <p:extLst>
+    <p:ext uri="{EFAFB233-063F-42B5-8137-9DF3F51BA10A}">
+      <p15:sldGuideLst xmlns:p15="http://schemas.microsoft.com/office/powerpoint/2012/main"/>
+    </p:ext>
+  </p:extLst>
 </p:presentation>
 </file>
 
@@ -3704,7 +3709,7 @@
           <a:p>
             <a:r>
               <a:rPr lang="en-GB" sz="1400" dirty="0"/>
-              <a:t>1</a:t>
+              <a:t>0</a:t>
             </a:r>
           </a:p>
         </p:txBody>
@@ -4044,7 +4049,7 @@
           <a:p>
             <a:r>
               <a:rPr lang="en-GB" sz="1400" dirty="0"/>
-              <a:t>1</a:t>
+              <a:t>0</a:t>
             </a:r>
           </a:p>
         </p:txBody>
@@ -4192,7 +4197,7 @@
           <a:p>
             <a:r>
               <a:rPr lang="en-GB" sz="1400" dirty="0"/>
-              <a:t>0</a:t>
+              <a:t>1</a:t>
             </a:r>
           </a:p>
         </p:txBody>
@@ -5882,7 +5887,7 @@
         </p:nvCxnSpPr>
         <p:spPr>
           <a:xfrm>
-            <a:off x="6098333" y="3855633"/>
+            <a:off x="6108724" y="3866024"/>
             <a:ext cx="126989" cy="399500"/>
           </a:xfrm>
           <a:prstGeom prst="straightConnector1">
@@ -5929,7 +5934,7 @@
           <a:prstGeom prst="straightConnector1">
             <a:avLst/>
           </a:prstGeom>
-          <a:ln w="19050">
+          <a:ln w="31750">
             <a:tailEnd type="triangle"/>
           </a:ln>
         </p:spPr>
@@ -6112,12 +6117,173 @@
           </a:fontRef>
         </p:style>
       </p:cxnSp>
-      <p:sp>
-        <p:nvSpPr>
-          <p:cNvPr id="155" name="TextBox 154">
-            <a:extLst>
-              <a:ext uri="{FF2B5EF4-FFF2-40B4-BE49-F238E27FC236}">
-                <a16:creationId xmlns:a16="http://schemas.microsoft.com/office/drawing/2014/main" id="{6D1624A6-CFD9-C299-C1D6-CADDB190A186}"/>
+      <mc:AlternateContent xmlns:mc="http://schemas.openxmlformats.org/markup-compatibility/2006">
+        <mc:Choice xmlns:a14="http://schemas.microsoft.com/office/drawing/2010/main" Requires="a14">
+          <p:sp>
+            <p:nvSpPr>
+              <p:cNvPr id="155" name="TextBox 154">
+                <a:extLst>
+                  <a:ext uri="{FF2B5EF4-FFF2-40B4-BE49-F238E27FC236}">
+                    <a16:creationId xmlns:a16="http://schemas.microsoft.com/office/drawing/2014/main" id="{6D1624A6-CFD9-C299-C1D6-CADDB190A186}"/>
+                  </a:ext>
+                </a:extLst>
+              </p:cNvPr>
+              <p:cNvSpPr txBox="1"/>
+              <p:nvPr/>
+            </p:nvSpPr>
+            <p:spPr>
+              <a:xfrm>
+                <a:off x="3970736" y="4391133"/>
+                <a:ext cx="2706062" cy="529184"/>
+              </a:xfrm>
+              <a:prstGeom prst="rect">
+                <a:avLst/>
+              </a:prstGeom>
+              <a:noFill/>
+            </p:spPr>
+            <p:txBody>
+              <a:bodyPr wrap="none" rtlCol="0">
+                <a:spAutoFit/>
+              </a:bodyPr>
+              <a:lstStyle/>
+              <a:p>
+                <a:r>
+                  <a:rPr lang="en-GB" dirty="0"/>
+                  <a:t>Score(IP) = </a:t>
+                </a:r>
+                <a14:m>
+                  <m:oMath xmlns:m="http://schemas.openxmlformats.org/officeDocument/2006/math">
+                    <m:f>
+                      <m:fPr>
+                        <m:ctrlPr>
+                          <a:rPr lang="en-GB" sz="2000" i="1" dirty="0" smtClean="0">
+                            <a:latin typeface="Cambria Math" panose="02040503050406030204" pitchFamily="18" charset="0"/>
+                          </a:rPr>
+                        </m:ctrlPr>
+                      </m:fPr>
+                      <m:num>
+                        <m:r>
+                          <a:rPr lang="en-GB" sz="2000" i="1" dirty="0">
+                            <a:latin typeface="Cambria Math" panose="02040503050406030204" pitchFamily="18" charset="0"/>
+                          </a:rPr>
+                          <m:t>0</m:t>
+                        </m:r>
+                        <m:r>
+                          <a:rPr lang="en-GB" sz="2000" i="1" baseline="30000" dirty="0">
+                            <a:latin typeface="Cambria Math" panose="02040503050406030204" pitchFamily="18" charset="0"/>
+                          </a:rPr>
+                          <m:t>  </m:t>
+                        </m:r>
+                        <m:r>
+                          <a:rPr lang="en-GB" sz="2000" i="1" dirty="0">
+                            <a:latin typeface="Cambria Math" panose="02040503050406030204" pitchFamily="18" charset="0"/>
+                          </a:rPr>
+                          <m:t>+ 1</m:t>
+                        </m:r>
+                        <m:r>
+                          <a:rPr lang="en-GB" sz="2000" i="1" baseline="30000" dirty="0">
+                            <a:latin typeface="Cambria Math" panose="02040503050406030204" pitchFamily="18" charset="0"/>
+                          </a:rPr>
+                          <m:t> </m:t>
+                        </m:r>
+                        <m:r>
+                          <a:rPr lang="en-GB" sz="2000" i="1" dirty="0">
+                            <a:latin typeface="Cambria Math" panose="02040503050406030204" pitchFamily="18" charset="0"/>
+                          </a:rPr>
+                          <m:t>+ 1</m:t>
+                        </m:r>
+                        <m:r>
+                          <a:rPr lang="en-GB" sz="2000" i="1" baseline="30000" dirty="0">
+                            <a:latin typeface="Cambria Math" panose="02040503050406030204" pitchFamily="18" charset="0"/>
+                          </a:rPr>
+                          <m:t> </m:t>
+                        </m:r>
+                        <m:r>
+                          <a:rPr lang="en-GB" sz="2000" i="1" dirty="0">
+                            <a:latin typeface="Cambria Math" panose="02040503050406030204" pitchFamily="18" charset="0"/>
+                          </a:rPr>
+                          <m:t>+ 1</m:t>
+                        </m:r>
+                        <m:r>
+                          <a:rPr lang="en-GB" sz="2000" i="1" baseline="30000" dirty="0">
+                            <a:latin typeface="Cambria Math" panose="02040503050406030204" pitchFamily="18" charset="0"/>
+                          </a:rPr>
+                          <m:t> </m:t>
+                        </m:r>
+                        <m:r>
+                          <a:rPr lang="en-GB" sz="2000" i="1" dirty="0">
+                            <a:latin typeface="Cambria Math" panose="02040503050406030204" pitchFamily="18" charset="0"/>
+                          </a:rPr>
+                          <m:t>+  …</m:t>
+                        </m:r>
+                      </m:num>
+                      <m:den>
+                        <m:r>
+                          <a:rPr lang="en-GB" sz="2000" b="0" i="1" dirty="0" smtClean="0">
+                            <a:latin typeface="Cambria Math" panose="02040503050406030204" pitchFamily="18" charset="0"/>
+                          </a:rPr>
+                          <m:t>32</m:t>
+                        </m:r>
+                      </m:den>
+                    </m:f>
+                  </m:oMath>
+                </a14:m>
+                <a:endParaRPr lang="en-GB" sz="2000" dirty="0"/>
+              </a:p>
+            </p:txBody>
+          </p:sp>
+        </mc:Choice>
+        <mc:Fallback>
+          <p:sp>
+            <p:nvSpPr>
+              <p:cNvPr id="155" name="TextBox 154">
+                <a:extLst>
+                  <a:ext uri="{FF2B5EF4-FFF2-40B4-BE49-F238E27FC236}">
+                    <a16:creationId xmlns:a16="http://schemas.microsoft.com/office/drawing/2014/main" id="{6D1624A6-CFD9-C299-C1D6-CADDB190A186}"/>
+                  </a:ext>
+                </a:extLst>
+              </p:cNvPr>
+              <p:cNvSpPr txBox="1">
+                <a:spLocks noRot="1" noChangeAspect="1" noMove="1" noResize="1" noEditPoints="1" noAdjustHandles="1" noChangeArrowheads="1" noChangeShapeType="1" noTextEdit="1"/>
+              </p:cNvSpPr>
+              <p:nvPr/>
+            </p:nvSpPr>
+            <p:spPr>
+              <a:xfrm>
+                <a:off x="3970736" y="4391133"/>
+                <a:ext cx="2706062" cy="529184"/>
+              </a:xfrm>
+              <a:prstGeom prst="rect">
+                <a:avLst/>
+              </a:prstGeom>
+              <a:blipFill>
+                <a:blip r:embed="rId2"/>
+                <a:stretch>
+                  <a:fillRect l="-1869" t="-11628" b="-4651"/>
+                </a:stretch>
+              </a:blipFill>
+            </p:spPr>
+            <p:txBody>
+              <a:bodyPr/>
+              <a:lstStyle/>
+              <a:p>
+                <a:r>
+                  <a:rPr lang="en-GB">
+                    <a:noFill/>
+                  </a:rPr>
+                  <a:t> </a:t>
+                </a:r>
+              </a:p>
+            </p:txBody>
+          </p:sp>
+        </mc:Fallback>
+      </mc:AlternateContent>
+      <p:sp>
+        <p:nvSpPr>
+          <p:cNvPr id="157" name="TextBox 156">
+            <a:extLst>
+              <a:ext uri="{FF2B5EF4-FFF2-40B4-BE49-F238E27FC236}">
+                <a16:creationId xmlns:a16="http://schemas.microsoft.com/office/drawing/2014/main" id="{1B0659D9-861A-2028-7C0B-C5921D912AFC}"/>
               </a:ext>
             </a:extLst>
           </p:cNvPr>
@@ -6126,8 +6292,8 @@
         </p:nvSpPr>
         <p:spPr>
           <a:xfrm>
-            <a:off x="3970736" y="4391133"/>
-            <a:ext cx="2924070" cy="369332"/>
+            <a:off x="3416326" y="3135185"/>
+            <a:ext cx="276038" cy="307777"/>
           </a:xfrm>
           <a:prstGeom prst="rect">
             <a:avLst/>
@@ -6135,56 +6301,24 @@
           <a:noFill/>
         </p:spPr>
         <p:txBody>
-          <a:bodyPr wrap="none" rtlCol="0">
+          <a:bodyPr wrap="square" rtlCol="0">
             <a:spAutoFit/>
           </a:bodyPr>
           <a:lstStyle/>
           <a:p>
             <a:r>
-              <a:rPr lang="en-GB" dirty="0"/>
-              <a:t>Score(IP)=9</a:t>
-            </a:r>
-            <a:r>
-              <a:rPr lang="en-GB" baseline="30000" dirty="0"/>
-              <a:t>0  </a:t>
-            </a:r>
-            <a:r>
-              <a:rPr lang="en-GB" dirty="0"/>
-              <a:t>+ 5</a:t>
-            </a:r>
-            <a:r>
-              <a:rPr lang="en-GB" baseline="30000" dirty="0"/>
-              <a:t>1 </a:t>
-            </a:r>
-            <a:r>
-              <a:rPr lang="en-GB" dirty="0"/>
-              <a:t>+ 3</a:t>
-            </a:r>
-            <a:r>
-              <a:rPr lang="en-GB" baseline="30000" dirty="0"/>
-              <a:t>2 </a:t>
-            </a:r>
-            <a:r>
-              <a:rPr lang="en-GB" dirty="0"/>
-              <a:t>+2</a:t>
-            </a:r>
-            <a:r>
-              <a:rPr lang="en-GB" baseline="30000" dirty="0"/>
-              <a:t>3 </a:t>
-            </a:r>
-            <a:r>
-              <a:rPr lang="en-GB" dirty="0"/>
-              <a:t>+  …</a:t>
-            </a:r>
-          </a:p>
-        </p:txBody>
-      </p:sp>
-      <p:sp>
-        <p:nvSpPr>
-          <p:cNvPr id="157" name="TextBox 156">
-            <a:extLst>
-              <a:ext uri="{FF2B5EF4-FFF2-40B4-BE49-F238E27FC236}">
-                <a16:creationId xmlns:a16="http://schemas.microsoft.com/office/drawing/2014/main" id="{1B0659D9-861A-2028-7C0B-C5921D912AFC}"/>
+              <a:rPr lang="en-GB" sz="1400" dirty="0"/>
+              <a:t>0</a:t>
+            </a:r>
+          </a:p>
+        </p:txBody>
+      </p:sp>
+      <p:sp>
+        <p:nvSpPr>
+          <p:cNvPr id="158" name="TextBox 157">
+            <a:extLst>
+              <a:ext uri="{FF2B5EF4-FFF2-40B4-BE49-F238E27FC236}">
+                <a16:creationId xmlns:a16="http://schemas.microsoft.com/office/drawing/2014/main" id="{EF9411BF-3343-D005-0250-F483DF5A6DB5}"/>
               </a:ext>
             </a:extLst>
           </p:cNvPr>
@@ -6193,7 +6327,7 @@
         </p:nvSpPr>
         <p:spPr>
           <a:xfrm>
-            <a:off x="3416326" y="3135185"/>
+            <a:off x="3129466" y="3901493"/>
             <a:ext cx="276038" cy="307777"/>
           </a:xfrm>
           <a:prstGeom prst="rect">
@@ -6209,17 +6343,17 @@
           <a:p>
             <a:r>
               <a:rPr lang="en-GB" sz="1400" dirty="0"/>
-              <a:t>1</a:t>
-            </a:r>
-          </a:p>
-        </p:txBody>
-      </p:sp>
-      <p:sp>
-        <p:nvSpPr>
-          <p:cNvPr id="158" name="TextBox 157">
-            <a:extLst>
-              <a:ext uri="{FF2B5EF4-FFF2-40B4-BE49-F238E27FC236}">
-                <a16:creationId xmlns:a16="http://schemas.microsoft.com/office/drawing/2014/main" id="{EF9411BF-3343-D005-0250-F483DF5A6DB5}"/>
+              <a:t>0</a:t>
+            </a:r>
+          </a:p>
+        </p:txBody>
+      </p:sp>
+      <p:sp>
+        <p:nvSpPr>
+          <p:cNvPr id="159" name="TextBox 158">
+            <a:extLst>
+              <a:ext uri="{FF2B5EF4-FFF2-40B4-BE49-F238E27FC236}">
+                <a16:creationId xmlns:a16="http://schemas.microsoft.com/office/drawing/2014/main" id="{32D0BF15-BE96-F9D7-7CD4-F3553811A458}"/>
               </a:ext>
             </a:extLst>
           </p:cNvPr>
@@ -6228,7 +6362,7 @@
         </p:nvSpPr>
         <p:spPr>
           <a:xfrm>
-            <a:off x="3129466" y="3901493"/>
+            <a:off x="6491752" y="2469405"/>
             <a:ext cx="276038" cy="307777"/>
           </a:xfrm>
           <a:prstGeom prst="rect">
@@ -6244,17 +6378,17 @@
           <a:p>
             <a:r>
               <a:rPr lang="en-GB" sz="1400" dirty="0"/>
-              <a:t>1</a:t>
-            </a:r>
-          </a:p>
-        </p:txBody>
-      </p:sp>
-      <p:sp>
-        <p:nvSpPr>
-          <p:cNvPr id="159" name="TextBox 158">
-            <a:extLst>
-              <a:ext uri="{FF2B5EF4-FFF2-40B4-BE49-F238E27FC236}">
-                <a16:creationId xmlns:a16="http://schemas.microsoft.com/office/drawing/2014/main" id="{32D0BF15-BE96-F9D7-7CD4-F3553811A458}"/>
+              <a:t>0</a:t>
+            </a:r>
+          </a:p>
+        </p:txBody>
+      </p:sp>
+      <p:sp>
+        <p:nvSpPr>
+          <p:cNvPr id="160" name="TextBox 159">
+            <a:extLst>
+              <a:ext uri="{FF2B5EF4-FFF2-40B4-BE49-F238E27FC236}">
+                <a16:creationId xmlns:a16="http://schemas.microsoft.com/office/drawing/2014/main" id="{6A594B5D-1C29-590D-07F2-6EFADE4464CE}"/>
               </a:ext>
             </a:extLst>
           </p:cNvPr>
@@ -6263,7 +6397,7 @@
         </p:nvSpPr>
         <p:spPr>
           <a:xfrm>
-            <a:off x="6491752" y="2469405"/>
+            <a:off x="5687182" y="3896933"/>
             <a:ext cx="276038" cy="307777"/>
           </a:xfrm>
           <a:prstGeom prst="rect">
@@ -6279,17 +6413,17 @@
           <a:p>
             <a:r>
               <a:rPr lang="en-GB" sz="1400" dirty="0"/>
-              <a:t>1</a:t>
-            </a:r>
-          </a:p>
-        </p:txBody>
-      </p:sp>
-      <p:sp>
-        <p:nvSpPr>
-          <p:cNvPr id="160" name="TextBox 159">
-            <a:extLst>
-              <a:ext uri="{FF2B5EF4-FFF2-40B4-BE49-F238E27FC236}">
-                <a16:creationId xmlns:a16="http://schemas.microsoft.com/office/drawing/2014/main" id="{6A594B5D-1C29-590D-07F2-6EFADE4464CE}"/>
+              <a:t>0</a:t>
+            </a:r>
+          </a:p>
+        </p:txBody>
+      </p:sp>
+      <p:sp>
+        <p:nvSpPr>
+          <p:cNvPr id="161" name="TextBox 160">
+            <a:extLst>
+              <a:ext uri="{FF2B5EF4-FFF2-40B4-BE49-F238E27FC236}">
+                <a16:creationId xmlns:a16="http://schemas.microsoft.com/office/drawing/2014/main" id="{E791D6B0-7613-22E8-618A-33108C20CCAD}"/>
               </a:ext>
             </a:extLst>
           </p:cNvPr>
@@ -6298,7 +6432,7 @@
         </p:nvSpPr>
         <p:spPr>
           <a:xfrm>
-            <a:off x="5676727" y="3908070"/>
+            <a:off x="5971689" y="3134074"/>
             <a:ext cx="276038" cy="307777"/>
           </a:xfrm>
           <a:prstGeom prst="rect">
@@ -6314,17 +6448,17 @@
           <a:p>
             <a:r>
               <a:rPr lang="en-GB" sz="1400" dirty="0"/>
-              <a:t>1</a:t>
-            </a:r>
-          </a:p>
-        </p:txBody>
-      </p:sp>
-      <p:sp>
-        <p:nvSpPr>
-          <p:cNvPr id="161" name="TextBox 160">
-            <a:extLst>
-              <a:ext uri="{FF2B5EF4-FFF2-40B4-BE49-F238E27FC236}">
-                <a16:creationId xmlns:a16="http://schemas.microsoft.com/office/drawing/2014/main" id="{E791D6B0-7613-22E8-618A-33108C20CCAD}"/>
+              <a:t>0</a:t>
+            </a:r>
+          </a:p>
+        </p:txBody>
+      </p:sp>
+      <p:sp>
+        <p:nvSpPr>
+          <p:cNvPr id="162" name="TextBox 161">
+            <a:extLst>
+              <a:ext uri="{FF2B5EF4-FFF2-40B4-BE49-F238E27FC236}">
+                <a16:creationId xmlns:a16="http://schemas.microsoft.com/office/drawing/2014/main" id="{8FF58718-64D1-81A2-80E0-237B7AED703A}"/>
               </a:ext>
             </a:extLst>
           </p:cNvPr>
@@ -6333,7 +6467,7 @@
         </p:nvSpPr>
         <p:spPr>
           <a:xfrm>
-            <a:off x="5971689" y="3134074"/>
+            <a:off x="6353733" y="3929708"/>
             <a:ext cx="276038" cy="307777"/>
           </a:xfrm>
           <a:prstGeom prst="rect">
@@ -6349,17 +6483,17 @@
           <a:p>
             <a:r>
               <a:rPr lang="en-GB" sz="1400" dirty="0"/>
-              <a:t>1</a:t>
-            </a:r>
-          </a:p>
-        </p:txBody>
-      </p:sp>
-      <p:sp>
-        <p:nvSpPr>
-          <p:cNvPr id="162" name="TextBox 161">
-            <a:extLst>
-              <a:ext uri="{FF2B5EF4-FFF2-40B4-BE49-F238E27FC236}">
-                <a16:creationId xmlns:a16="http://schemas.microsoft.com/office/drawing/2014/main" id="{8FF58718-64D1-81A2-80E0-237B7AED703A}"/>
+              <a:t>0</a:t>
+            </a:r>
+          </a:p>
+        </p:txBody>
+      </p:sp>
+      <p:sp>
+        <p:nvSpPr>
+          <p:cNvPr id="163" name="TextBox 162">
+            <a:extLst>
+              <a:ext uri="{FF2B5EF4-FFF2-40B4-BE49-F238E27FC236}">
+                <a16:creationId xmlns:a16="http://schemas.microsoft.com/office/drawing/2014/main" id="{09225F2A-399F-494E-5D42-BC7BE61543B2}"/>
               </a:ext>
             </a:extLst>
           </p:cNvPr>
@@ -6368,7 +6502,7 @@
         </p:nvSpPr>
         <p:spPr>
           <a:xfrm>
-            <a:off x="6353733" y="3929708"/>
+            <a:off x="7128389" y="3166224"/>
             <a:ext cx="276038" cy="307777"/>
           </a:xfrm>
           <a:prstGeom prst="rect">
@@ -6384,17 +6518,17 @@
           <a:p>
             <a:r>
               <a:rPr lang="en-GB" sz="1400" dirty="0"/>
-              <a:t>1</a:t>
-            </a:r>
-          </a:p>
-        </p:txBody>
-      </p:sp>
-      <p:sp>
-        <p:nvSpPr>
-          <p:cNvPr id="163" name="TextBox 162">
-            <a:extLst>
-              <a:ext uri="{FF2B5EF4-FFF2-40B4-BE49-F238E27FC236}">
-                <a16:creationId xmlns:a16="http://schemas.microsoft.com/office/drawing/2014/main" id="{09225F2A-399F-494E-5D42-BC7BE61543B2}"/>
+              <a:t>0</a:t>
+            </a:r>
+          </a:p>
+        </p:txBody>
+      </p:sp>
+      <p:sp>
+        <p:nvSpPr>
+          <p:cNvPr id="164" name="TextBox 163">
+            <a:extLst>
+              <a:ext uri="{FF2B5EF4-FFF2-40B4-BE49-F238E27FC236}">
+                <a16:creationId xmlns:a16="http://schemas.microsoft.com/office/drawing/2014/main" id="{5B181296-83B9-6F20-4497-EFAFBA8984D2}"/>
               </a:ext>
             </a:extLst>
           </p:cNvPr>
@@ -6403,7 +6537,7 @@
         </p:nvSpPr>
         <p:spPr>
           <a:xfrm>
-            <a:off x="7128389" y="3166224"/>
+            <a:off x="4574137" y="3163813"/>
             <a:ext cx="276038" cy="307777"/>
           </a:xfrm>
           <a:prstGeom prst="rect">
@@ -6419,17 +6553,17 @@
           <a:p>
             <a:r>
               <a:rPr lang="en-GB" sz="1400" dirty="0"/>
-              <a:t>1</a:t>
-            </a:r>
-          </a:p>
-        </p:txBody>
-      </p:sp>
-      <p:sp>
-        <p:nvSpPr>
-          <p:cNvPr id="164" name="TextBox 163">
-            <a:extLst>
-              <a:ext uri="{FF2B5EF4-FFF2-40B4-BE49-F238E27FC236}">
-                <a16:creationId xmlns:a16="http://schemas.microsoft.com/office/drawing/2014/main" id="{5B181296-83B9-6F20-4497-EFAFBA8984D2}"/>
+              <a:t>0</a:t>
+            </a:r>
+          </a:p>
+        </p:txBody>
+      </p:sp>
+      <p:sp>
+        <p:nvSpPr>
+          <p:cNvPr id="165" name="TextBox 164">
+            <a:extLst>
+              <a:ext uri="{FF2B5EF4-FFF2-40B4-BE49-F238E27FC236}">
+                <a16:creationId xmlns:a16="http://schemas.microsoft.com/office/drawing/2014/main" id="{463DE3A9-6708-8CA3-0AC2-EF32D97756B7}"/>
               </a:ext>
             </a:extLst>
           </p:cNvPr>
@@ -6438,7 +6572,7 @@
         </p:nvSpPr>
         <p:spPr>
           <a:xfrm>
-            <a:off x="4574137" y="3163813"/>
+            <a:off x="4945088" y="3911060"/>
             <a:ext cx="276038" cy="307777"/>
           </a:xfrm>
           <a:prstGeom prst="rect">
@@ -6454,17 +6588,17 @@
           <a:p>
             <a:r>
               <a:rPr lang="en-GB" sz="1400" dirty="0"/>
-              <a:t>1</a:t>
-            </a:r>
-          </a:p>
-        </p:txBody>
-      </p:sp>
-      <p:sp>
-        <p:nvSpPr>
-          <p:cNvPr id="165" name="TextBox 164">
-            <a:extLst>
-              <a:ext uri="{FF2B5EF4-FFF2-40B4-BE49-F238E27FC236}">
-                <a16:creationId xmlns:a16="http://schemas.microsoft.com/office/drawing/2014/main" id="{463DE3A9-6708-8CA3-0AC2-EF32D97756B7}"/>
+              <a:t>0</a:t>
+            </a:r>
+          </a:p>
+        </p:txBody>
+      </p:sp>
+      <p:sp>
+        <p:nvSpPr>
+          <p:cNvPr id="170" name="TextBox 169">
+            <a:extLst>
+              <a:ext uri="{FF2B5EF4-FFF2-40B4-BE49-F238E27FC236}">
+                <a16:creationId xmlns:a16="http://schemas.microsoft.com/office/drawing/2014/main" id="{97E23C01-3695-5A57-5750-5CB09993361A}"/>
               </a:ext>
             </a:extLst>
           </p:cNvPr>
@@ -6473,7 +6607,7 @@
         </p:nvSpPr>
         <p:spPr>
           <a:xfrm>
-            <a:off x="4945088" y="3911060"/>
+            <a:off x="7604251" y="3151444"/>
             <a:ext cx="276038" cy="307777"/>
           </a:xfrm>
           <a:prstGeom prst="rect">
@@ -6482,7 +6616,7 @@
           <a:noFill/>
         </p:spPr>
         <p:txBody>
-          <a:bodyPr wrap="square" rtlCol="0">
+          <a:bodyPr wrap="none" rtlCol="0">
             <a:spAutoFit/>
           </a:bodyPr>
           <a:lstStyle/>
@@ -6496,10 +6630,10 @@
       </p:sp>
       <p:sp>
         <p:nvSpPr>
-          <p:cNvPr id="170" name="TextBox 169">
-            <a:extLst>
-              <a:ext uri="{FF2B5EF4-FFF2-40B4-BE49-F238E27FC236}">
-                <a16:creationId xmlns:a16="http://schemas.microsoft.com/office/drawing/2014/main" id="{97E23C01-3695-5A57-5750-5CB09993361A}"/>
+          <p:cNvPr id="171" name="TextBox 170">
+            <a:extLst>
+              <a:ext uri="{FF2B5EF4-FFF2-40B4-BE49-F238E27FC236}">
+                <a16:creationId xmlns:a16="http://schemas.microsoft.com/office/drawing/2014/main" id="{02F6A7B9-A78F-7555-FD55-C9EB57685356}"/>
               </a:ext>
             </a:extLst>
           </p:cNvPr>
@@ -6508,7 +6642,7 @@
         </p:nvSpPr>
         <p:spPr>
           <a:xfrm>
-            <a:off x="7604251" y="3151444"/>
+            <a:off x="6443159" y="3135711"/>
             <a:ext cx="276038" cy="307777"/>
           </a:xfrm>
           <a:prstGeom prst="rect">
@@ -6524,17 +6658,17 @@
           <a:p>
             <a:r>
               <a:rPr lang="en-GB" sz="1400" dirty="0"/>
-              <a:t>0</a:t>
-            </a:r>
-          </a:p>
-        </p:txBody>
-      </p:sp>
-      <p:sp>
-        <p:nvSpPr>
-          <p:cNvPr id="171" name="TextBox 170">
-            <a:extLst>
-              <a:ext uri="{FF2B5EF4-FFF2-40B4-BE49-F238E27FC236}">
-                <a16:creationId xmlns:a16="http://schemas.microsoft.com/office/drawing/2014/main" id="{02F6A7B9-A78F-7555-FD55-C9EB57685356}"/>
+              <a:t>1</a:t>
+            </a:r>
+          </a:p>
+        </p:txBody>
+      </p:sp>
+      <p:sp>
+        <p:nvSpPr>
+          <p:cNvPr id="172" name="TextBox 171">
+            <a:extLst>
+              <a:ext uri="{FF2B5EF4-FFF2-40B4-BE49-F238E27FC236}">
+                <a16:creationId xmlns:a16="http://schemas.microsoft.com/office/drawing/2014/main" id="{E2E97BFA-CD6F-4A9C-4863-42FB1027877E}"/>
               </a:ext>
             </a:extLst>
           </p:cNvPr>
@@ -6543,7 +6677,7 @@
         </p:nvSpPr>
         <p:spPr>
           <a:xfrm>
-            <a:off x="6443159" y="3135711"/>
+            <a:off x="6068066" y="1860467"/>
             <a:ext cx="276038" cy="307777"/>
           </a:xfrm>
           <a:prstGeom prst="rect">
@@ -6559,17 +6693,17 @@
           <a:p>
             <a:r>
               <a:rPr lang="en-GB" sz="1400" dirty="0"/>
-              <a:t>0</a:t>
-            </a:r>
-          </a:p>
-        </p:txBody>
-      </p:sp>
-      <p:sp>
-        <p:nvSpPr>
-          <p:cNvPr id="172" name="TextBox 171">
-            <a:extLst>
-              <a:ext uri="{FF2B5EF4-FFF2-40B4-BE49-F238E27FC236}">
-                <a16:creationId xmlns:a16="http://schemas.microsoft.com/office/drawing/2014/main" id="{E2E97BFA-CD6F-4A9C-4863-42FB1027877E}"/>
+              <a:t>1</a:t>
+            </a:r>
+          </a:p>
+        </p:txBody>
+      </p:sp>
+      <p:sp>
+        <p:nvSpPr>
+          <p:cNvPr id="173" name="TextBox 172">
+            <a:extLst>
+              <a:ext uri="{FF2B5EF4-FFF2-40B4-BE49-F238E27FC236}">
+                <a16:creationId xmlns:a16="http://schemas.microsoft.com/office/drawing/2014/main" id="{B9F3A1BD-869E-BD08-7726-7311907E397F}"/>
               </a:ext>
             </a:extLst>
           </p:cNvPr>
@@ -6578,7 +6712,7 @@
         </p:nvSpPr>
         <p:spPr>
           <a:xfrm>
-            <a:off x="6068066" y="1860467"/>
+            <a:off x="4545439" y="2487355"/>
             <a:ext cx="276038" cy="307777"/>
           </a:xfrm>
           <a:prstGeom prst="rect">
@@ -6594,17 +6728,17 @@
           <a:p>
             <a:r>
               <a:rPr lang="en-GB" sz="1400" dirty="0"/>
-              <a:t>0</a:t>
-            </a:r>
-          </a:p>
-        </p:txBody>
-      </p:sp>
-      <p:sp>
-        <p:nvSpPr>
-          <p:cNvPr id="173" name="TextBox 172">
-            <a:extLst>
-              <a:ext uri="{FF2B5EF4-FFF2-40B4-BE49-F238E27FC236}">
-                <a16:creationId xmlns:a16="http://schemas.microsoft.com/office/drawing/2014/main" id="{B9F3A1BD-869E-BD08-7726-7311907E397F}"/>
+              <a:t>1</a:t>
+            </a:r>
+          </a:p>
+        </p:txBody>
+      </p:sp>
+      <p:sp>
+        <p:nvSpPr>
+          <p:cNvPr id="174" name="TextBox 173">
+            <a:extLst>
+              <a:ext uri="{FF2B5EF4-FFF2-40B4-BE49-F238E27FC236}">
+                <a16:creationId xmlns:a16="http://schemas.microsoft.com/office/drawing/2014/main" id="{5ED91565-B2E9-D52A-413C-EBBB5D775F6B}"/>
               </a:ext>
             </a:extLst>
           </p:cNvPr>
@@ -6613,7 +6747,7 @@
         </p:nvSpPr>
         <p:spPr>
           <a:xfrm>
-            <a:off x="4545439" y="2487355"/>
+            <a:off x="5056049" y="3167902"/>
             <a:ext cx="276038" cy="307777"/>
           </a:xfrm>
           <a:prstGeom prst="rect">
@@ -6629,17 +6763,17 @@
           <a:p>
             <a:r>
               <a:rPr lang="en-GB" sz="1400" dirty="0"/>
-              <a:t>0</a:t>
-            </a:r>
-          </a:p>
-        </p:txBody>
-      </p:sp>
-      <p:sp>
-        <p:nvSpPr>
-          <p:cNvPr id="174" name="TextBox 173">
-            <a:extLst>
-              <a:ext uri="{FF2B5EF4-FFF2-40B4-BE49-F238E27FC236}">
-                <a16:creationId xmlns:a16="http://schemas.microsoft.com/office/drawing/2014/main" id="{5ED91565-B2E9-D52A-413C-EBBB5D775F6B}"/>
+              <a:t>1</a:t>
+            </a:r>
+          </a:p>
+        </p:txBody>
+      </p:sp>
+      <p:sp>
+        <p:nvSpPr>
+          <p:cNvPr id="175" name="TextBox 174">
+            <a:extLst>
+              <a:ext uri="{FF2B5EF4-FFF2-40B4-BE49-F238E27FC236}">
+                <a16:creationId xmlns:a16="http://schemas.microsoft.com/office/drawing/2014/main" id="{E0F87C25-2DE5-1151-5162-2F1E5305B338}"/>
               </a:ext>
             </a:extLst>
           </p:cNvPr>
@@ -6648,7 +6782,7 @@
         </p:nvSpPr>
         <p:spPr>
           <a:xfrm>
-            <a:off x="5056049" y="3167902"/>
+            <a:off x="6088037" y="3872595"/>
             <a:ext cx="276038" cy="307777"/>
           </a:xfrm>
           <a:prstGeom prst="rect">
@@ -6664,17 +6798,17 @@
           <a:p>
             <a:r>
               <a:rPr lang="en-GB" sz="1400" dirty="0"/>
-              <a:t>0</a:t>
-            </a:r>
-          </a:p>
-        </p:txBody>
-      </p:sp>
-      <p:sp>
-        <p:nvSpPr>
-          <p:cNvPr id="175" name="TextBox 174">
-            <a:extLst>
-              <a:ext uri="{FF2B5EF4-FFF2-40B4-BE49-F238E27FC236}">
-                <a16:creationId xmlns:a16="http://schemas.microsoft.com/office/drawing/2014/main" id="{E0F87C25-2DE5-1151-5162-2F1E5305B338}"/>
+              <a:t>1</a:t>
+            </a:r>
+          </a:p>
+        </p:txBody>
+      </p:sp>
+      <p:sp>
+        <p:nvSpPr>
+          <p:cNvPr id="176" name="TextBox 175">
+            <a:extLst>
+              <a:ext uri="{FF2B5EF4-FFF2-40B4-BE49-F238E27FC236}">
+                <a16:creationId xmlns:a16="http://schemas.microsoft.com/office/drawing/2014/main" id="{E8551F30-A85C-AFA7-F7CE-F248A456EA53}"/>
               </a:ext>
             </a:extLst>
           </p:cNvPr>
@@ -6683,7 +6817,7 @@
         </p:nvSpPr>
         <p:spPr>
           <a:xfrm>
-            <a:off x="6087303" y="3901494"/>
+            <a:off x="6767372" y="3911615"/>
             <a:ext cx="276038" cy="307777"/>
           </a:xfrm>
           <a:prstGeom prst="rect">
@@ -6699,17 +6833,17 @@
           <a:p>
             <a:r>
               <a:rPr lang="en-GB" sz="1400" dirty="0"/>
-              <a:t>0</a:t>
-            </a:r>
-          </a:p>
-        </p:txBody>
-      </p:sp>
-      <p:sp>
-        <p:nvSpPr>
-          <p:cNvPr id="176" name="TextBox 175">
-            <a:extLst>
-              <a:ext uri="{FF2B5EF4-FFF2-40B4-BE49-F238E27FC236}">
-                <a16:creationId xmlns:a16="http://schemas.microsoft.com/office/drawing/2014/main" id="{E8551F30-A85C-AFA7-F7CE-F248A456EA53}"/>
+              <a:t>1</a:t>
+            </a:r>
+          </a:p>
+        </p:txBody>
+      </p:sp>
+      <p:sp>
+        <p:nvSpPr>
+          <p:cNvPr id="177" name="TextBox 176">
+            <a:extLst>
+              <a:ext uri="{FF2B5EF4-FFF2-40B4-BE49-F238E27FC236}">
+                <a16:creationId xmlns:a16="http://schemas.microsoft.com/office/drawing/2014/main" id="{00ECC0C7-FAFB-C4E9-E8CE-C55B408853CF}"/>
               </a:ext>
             </a:extLst>
           </p:cNvPr>
@@ -6718,7 +6852,7 @@
         </p:nvSpPr>
         <p:spPr>
           <a:xfrm>
-            <a:off x="6767372" y="3911615"/>
+            <a:off x="7279626" y="3908070"/>
             <a:ext cx="276038" cy="307777"/>
           </a:xfrm>
           <a:prstGeom prst="rect">
@@ -6734,17 +6868,17 @@
           <a:p>
             <a:r>
               <a:rPr lang="en-GB" sz="1400" dirty="0"/>
-              <a:t>0</a:t>
-            </a:r>
-          </a:p>
-        </p:txBody>
-      </p:sp>
-      <p:sp>
-        <p:nvSpPr>
-          <p:cNvPr id="177" name="TextBox 176">
-            <a:extLst>
-              <a:ext uri="{FF2B5EF4-FFF2-40B4-BE49-F238E27FC236}">
-                <a16:creationId xmlns:a16="http://schemas.microsoft.com/office/drawing/2014/main" id="{00ECC0C7-FAFB-C4E9-E8CE-C55B408853CF}"/>
+              <a:t>1</a:t>
+            </a:r>
+          </a:p>
+        </p:txBody>
+      </p:sp>
+      <p:sp>
+        <p:nvSpPr>
+          <p:cNvPr id="178" name="TextBox 177">
+            <a:extLst>
+              <a:ext uri="{FF2B5EF4-FFF2-40B4-BE49-F238E27FC236}">
+                <a16:creationId xmlns:a16="http://schemas.microsoft.com/office/drawing/2014/main" id="{D8437F82-286D-4677-DEC2-72B396786A99}"/>
               </a:ext>
             </a:extLst>
           </p:cNvPr>
@@ -6753,7 +6887,7 @@
         </p:nvSpPr>
         <p:spPr>
           <a:xfrm>
-            <a:off x="7279626" y="3908070"/>
+            <a:off x="7897629" y="3906398"/>
             <a:ext cx="276038" cy="307777"/>
           </a:xfrm>
           <a:prstGeom prst="rect">
@@ -6769,17 +6903,17 @@
           <a:p>
             <a:r>
               <a:rPr lang="en-GB" sz="1400" dirty="0"/>
-              <a:t>0</a:t>
-            </a:r>
-          </a:p>
-        </p:txBody>
-      </p:sp>
-      <p:sp>
-        <p:nvSpPr>
-          <p:cNvPr id="178" name="TextBox 177">
-            <a:extLst>
-              <a:ext uri="{FF2B5EF4-FFF2-40B4-BE49-F238E27FC236}">
-                <a16:creationId xmlns:a16="http://schemas.microsoft.com/office/drawing/2014/main" id="{D8437F82-286D-4677-DEC2-72B396786A99}"/>
+              <a:t>1</a:t>
+            </a:r>
+          </a:p>
+        </p:txBody>
+      </p:sp>
+      <p:sp>
+        <p:nvSpPr>
+          <p:cNvPr id="179" name="TextBox 178">
+            <a:extLst>
+              <a:ext uri="{FF2B5EF4-FFF2-40B4-BE49-F238E27FC236}">
+                <a16:creationId xmlns:a16="http://schemas.microsoft.com/office/drawing/2014/main" id="{E075707B-6C01-D22E-CF66-A9B12F55BD1C}"/>
               </a:ext>
             </a:extLst>
           </p:cNvPr>
@@ -6788,7 +6922,7 @@
         </p:nvSpPr>
         <p:spPr>
           <a:xfrm>
-            <a:off x="7897629" y="3906398"/>
+            <a:off x="4687914" y="3917831"/>
             <a:ext cx="276038" cy="307777"/>
           </a:xfrm>
           <a:prstGeom prst="rect">
@@ -6804,17 +6938,17 @@
           <a:p>
             <a:r>
               <a:rPr lang="en-GB" sz="1400" dirty="0"/>
-              <a:t>0</a:t>
-            </a:r>
-          </a:p>
-        </p:txBody>
-      </p:sp>
-      <p:sp>
-        <p:nvSpPr>
-          <p:cNvPr id="179" name="TextBox 178">
-            <a:extLst>
-              <a:ext uri="{FF2B5EF4-FFF2-40B4-BE49-F238E27FC236}">
-                <a16:creationId xmlns:a16="http://schemas.microsoft.com/office/drawing/2014/main" id="{E075707B-6C01-D22E-CF66-A9B12F55BD1C}"/>
+              <a:t>1</a:t>
+            </a:r>
+          </a:p>
+        </p:txBody>
+      </p:sp>
+      <p:sp>
+        <p:nvSpPr>
+          <p:cNvPr id="180" name="TextBox 179">
+            <a:extLst>
+              <a:ext uri="{FF2B5EF4-FFF2-40B4-BE49-F238E27FC236}">
+                <a16:creationId xmlns:a16="http://schemas.microsoft.com/office/drawing/2014/main" id="{AAC9FEDA-7E11-5B3E-1467-BDF52F764C74}"/>
               </a:ext>
             </a:extLst>
           </p:cNvPr>
@@ -6823,7 +6957,7 @@
         </p:nvSpPr>
         <p:spPr>
           <a:xfrm>
-            <a:off x="4687914" y="3917831"/>
+            <a:off x="3524288" y="3892887"/>
             <a:ext cx="276038" cy="307777"/>
           </a:xfrm>
           <a:prstGeom prst="rect">
@@ -6839,42 +6973,7 @@
           <a:p>
             <a:r>
               <a:rPr lang="en-GB" sz="1400" dirty="0"/>
-              <a:t>0</a:t>
-            </a:r>
-          </a:p>
-        </p:txBody>
-      </p:sp>
-      <p:sp>
-        <p:nvSpPr>
-          <p:cNvPr id="180" name="TextBox 179">
-            <a:extLst>
-              <a:ext uri="{FF2B5EF4-FFF2-40B4-BE49-F238E27FC236}">
-                <a16:creationId xmlns:a16="http://schemas.microsoft.com/office/drawing/2014/main" id="{AAC9FEDA-7E11-5B3E-1467-BDF52F764C74}"/>
-              </a:ext>
-            </a:extLst>
-          </p:cNvPr>
-          <p:cNvSpPr txBox="1"/>
-          <p:nvPr/>
-        </p:nvSpPr>
-        <p:spPr>
-          <a:xfrm>
-            <a:off x="3524288" y="3892887"/>
-            <a:ext cx="276038" cy="307777"/>
-          </a:xfrm>
-          <a:prstGeom prst="rect">
-            <a:avLst/>
-          </a:prstGeom>
-          <a:noFill/>
-        </p:spPr>
-        <p:txBody>
-          <a:bodyPr wrap="none" rtlCol="0">
-            <a:spAutoFit/>
-          </a:bodyPr>
-          <a:lstStyle/>
-          <a:p>
-            <a:r>
-              <a:rPr lang="en-GB" sz="1400" dirty="0"/>
-              <a:t>0</a:t>
+              <a:t>1</a:t>
             </a:r>
           </a:p>
         </p:txBody>

--- a/img/ip_tree_small_source.pptx
+++ b/img/ip_tree_small_source.pptx
@@ -5955,47 +5955,6 @@
       </p:cxnSp>
       <p:cxnSp>
         <p:nvCxnSpPr>
-          <p:cNvPr id="150" name="Straight Arrow Connector 149">
-            <a:extLst>
-              <a:ext uri="{FF2B5EF4-FFF2-40B4-BE49-F238E27FC236}">
-                <a16:creationId xmlns:a16="http://schemas.microsoft.com/office/drawing/2014/main" id="{DB703891-F905-6289-0EDB-7D52BE0A25AF}"/>
-              </a:ext>
-            </a:extLst>
-          </p:cNvPr>
-          <p:cNvCxnSpPr>
-            <a:cxnSpLocks/>
-          </p:cNvCxnSpPr>
-          <p:nvPr/>
-        </p:nvCxnSpPr>
-        <p:spPr>
-          <a:xfrm>
-            <a:off x="6783750" y="3881544"/>
-            <a:ext cx="126989" cy="399500"/>
-          </a:xfrm>
-          <a:prstGeom prst="straightConnector1">
-            <a:avLst/>
-          </a:prstGeom>
-          <a:ln w="19050">
-            <a:tailEnd type="triangle"/>
-          </a:ln>
-        </p:spPr>
-        <p:style>
-          <a:lnRef idx="1">
-            <a:schemeClr val="accent1"/>
-          </a:lnRef>
-          <a:fillRef idx="0">
-            <a:schemeClr val="accent1"/>
-          </a:fillRef>
-          <a:effectRef idx="0">
-            <a:schemeClr val="accent1"/>
-          </a:effectRef>
-          <a:fontRef idx="minor">
-            <a:schemeClr val="tx1"/>
-          </a:fontRef>
-        </p:style>
-      </p:cxnSp>
-      <p:cxnSp>
-        <p:nvCxnSpPr>
           <p:cNvPr id="151" name="Straight Arrow Connector 150">
             <a:extLst>
               <a:ext uri="{FF2B5EF4-FFF2-40B4-BE49-F238E27FC236}">
@@ -6783,41 +6742,6 @@
         <p:spPr>
           <a:xfrm>
             <a:off x="6088037" y="3872595"/>
-            <a:ext cx="276038" cy="307777"/>
-          </a:xfrm>
-          <a:prstGeom prst="rect">
-            <a:avLst/>
-          </a:prstGeom>
-          <a:noFill/>
-        </p:spPr>
-        <p:txBody>
-          <a:bodyPr wrap="none" rtlCol="0">
-            <a:spAutoFit/>
-          </a:bodyPr>
-          <a:lstStyle/>
-          <a:p>
-            <a:r>
-              <a:rPr lang="en-GB" sz="1400" dirty="0"/>
-              <a:t>1</a:t>
-            </a:r>
-          </a:p>
-        </p:txBody>
-      </p:sp>
-      <p:sp>
-        <p:nvSpPr>
-          <p:cNvPr id="176" name="TextBox 175">
-            <a:extLst>
-              <a:ext uri="{FF2B5EF4-FFF2-40B4-BE49-F238E27FC236}">
-                <a16:creationId xmlns:a16="http://schemas.microsoft.com/office/drawing/2014/main" id="{E8551F30-A85C-AFA7-F7CE-F248A456EA53}"/>
-              </a:ext>
-            </a:extLst>
-          </p:cNvPr>
-          <p:cNvSpPr txBox="1"/>
-          <p:nvPr/>
-        </p:nvSpPr>
-        <p:spPr>
-          <a:xfrm>
-            <a:off x="6767372" y="3911615"/>
             <a:ext cx="276038" cy="307777"/>
           </a:xfrm>
           <a:prstGeom prst="rect">

--- a/img/ip_tree_small_source.pptx
+++ b/img/ip_tree_small_source.pptx
@@ -3851,7 +3851,7 @@
             <a:p>
               <a:r>
                 <a:rPr lang="en-GB" sz="1400" dirty="0"/>
-                <a:t>3+</a:t>
+                <a:t>1+</a:t>
               </a:r>
               <a:r>
                 <a:rPr lang="en-GB" sz="1400" dirty="0">
@@ -3951,7 +3951,7 @@
           </p:nvSpPr>
           <p:spPr>
             <a:xfrm>
-              <a:off x="5478572" y="1684395"/>
+              <a:off x="5477324" y="1700914"/>
               <a:ext cx="276038" cy="307777"/>
             </a:xfrm>
             <a:prstGeom prst="rect">
@@ -3967,13 +3967,8 @@
             <a:p>
               <a:r>
                 <a:rPr lang="en-GB" sz="1400" dirty="0"/>
-                <a:t>2</a:t>
+                <a:t>4</a:t>
               </a:r>
-              <a:endParaRPr lang="en-GB" sz="1400" dirty="0">
-                <a:solidFill>
-                  <a:srgbClr val="FF0000"/>
-                </a:solidFill>
-              </a:endParaRPr>
             </a:p>
           </p:txBody>
         </p:sp>
@@ -4412,7 +4407,7 @@
             <a:p>
               <a:r>
                 <a:rPr lang="en-GB" sz="1400" dirty="0"/>
-                <a:t>2+</a:t>
+                <a:t>1+</a:t>
               </a:r>
               <a:r>
                 <a:rPr lang="en-GB" sz="1400" dirty="0">
@@ -4420,114 +4415,6 @@
                     <a:srgbClr val="FF0000"/>
                   </a:solidFill>
                 </a:rPr>
-                <a:t>1</a:t>
-              </a:r>
-            </a:p>
-          </p:txBody>
-        </p:sp>
-      </p:grpSp>
-      <p:grpSp>
-        <p:nvGrpSpPr>
-          <p:cNvPr id="75" name="Group 74">
-            <a:extLst>
-              <a:ext uri="{FF2B5EF4-FFF2-40B4-BE49-F238E27FC236}">
-                <a16:creationId xmlns:a16="http://schemas.microsoft.com/office/drawing/2014/main" id="{2968107B-AADD-98E2-08BD-56EE34C60EF3}"/>
-              </a:ext>
-            </a:extLst>
-          </p:cNvPr>
-          <p:cNvGrpSpPr/>
-          <p:nvPr/>
-        </p:nvGrpSpPr>
-        <p:grpSpPr>
-          <a:xfrm>
-            <a:off x="6532479" y="3541720"/>
-            <a:ext cx="329044" cy="374073"/>
-            <a:chOff x="5455227" y="1662545"/>
-            <a:chExt cx="329044" cy="374073"/>
-          </a:xfrm>
-        </p:grpSpPr>
-        <p:sp>
-          <p:nvSpPr>
-            <p:cNvPr id="76" name="Oval 75">
-              <a:extLst>
-                <a:ext uri="{FF2B5EF4-FFF2-40B4-BE49-F238E27FC236}">
-                  <a16:creationId xmlns:a16="http://schemas.microsoft.com/office/drawing/2014/main" id="{11C3795A-0D88-F124-8DC2-138ED5BB871E}"/>
-                </a:ext>
-              </a:extLst>
-            </p:cNvPr>
-            <p:cNvSpPr/>
-            <p:nvPr/>
-          </p:nvSpPr>
-          <p:spPr>
-            <a:xfrm>
-              <a:off x="5455227" y="1662545"/>
-              <a:ext cx="329044" cy="374073"/>
-            </a:xfrm>
-            <a:prstGeom prst="ellipse">
-              <a:avLst/>
-            </a:prstGeom>
-            <a:noFill/>
-            <a:ln w="19050">
-              <a:solidFill>
-                <a:schemeClr val="tx1"/>
-              </a:solidFill>
-            </a:ln>
-          </p:spPr>
-          <p:style>
-            <a:lnRef idx="2">
-              <a:schemeClr val="accent1">
-                <a:shade val="50000"/>
-              </a:schemeClr>
-            </a:lnRef>
-            <a:fillRef idx="1">
-              <a:schemeClr val="accent1"/>
-            </a:fillRef>
-            <a:effectRef idx="0">
-              <a:schemeClr val="accent1"/>
-            </a:effectRef>
-            <a:fontRef idx="minor">
-              <a:schemeClr val="lt1"/>
-            </a:fontRef>
-          </p:style>
-          <p:txBody>
-            <a:bodyPr rtlCol="0" anchor="ctr"/>
-            <a:lstStyle/>
-            <a:p>
-              <a:pPr algn="ctr"/>
-              <a:endParaRPr lang="en-GB" dirty="0"/>
-            </a:p>
-          </p:txBody>
-        </p:sp>
-        <p:sp>
-          <p:nvSpPr>
-            <p:cNvPr id="77" name="TextBox 76">
-              <a:extLst>
-                <a:ext uri="{FF2B5EF4-FFF2-40B4-BE49-F238E27FC236}">
-                  <a16:creationId xmlns:a16="http://schemas.microsoft.com/office/drawing/2014/main" id="{1EF2C6D0-7A86-6C51-0197-CA2B2168F6D0}"/>
-                </a:ext>
-              </a:extLst>
-            </p:cNvPr>
-            <p:cNvSpPr txBox="1"/>
-            <p:nvPr/>
-          </p:nvSpPr>
-          <p:spPr>
-            <a:xfrm>
-              <a:off x="5478572" y="1684395"/>
-              <a:ext cx="276038" cy="307777"/>
-            </a:xfrm>
-            <a:prstGeom prst="rect">
-              <a:avLst/>
-            </a:prstGeom>
-            <a:noFill/>
-          </p:spPr>
-          <p:txBody>
-            <a:bodyPr wrap="none" rtlCol="0">
-              <a:spAutoFit/>
-            </a:bodyPr>
-            <a:lstStyle/>
-            <a:p>
-              <a:r>
-                <a:rPr lang="en-GB" sz="1400" dirty="0"/>
                 <a:t>1</a:t>
               </a:r>
             </a:p>
@@ -4766,7 +4653,7 @@
             <a:p>
               <a:r>
                 <a:rPr lang="en-GB" sz="1400" dirty="0"/>
-                <a:t>1</a:t>
+                <a:t>3</a:t>
               </a:r>
             </a:p>
           </p:txBody>
@@ -4796,48 +4683,6 @@
             <a:avLst/>
           </a:prstGeom>
           <a:ln w="31750">
-            <a:tailEnd type="triangle"/>
-          </a:ln>
-        </p:spPr>
-        <p:style>
-          <a:lnRef idx="1">
-            <a:schemeClr val="accent1"/>
-          </a:lnRef>
-          <a:fillRef idx="0">
-            <a:schemeClr val="accent1"/>
-          </a:fillRef>
-          <a:effectRef idx="0">
-            <a:schemeClr val="accent1"/>
-          </a:effectRef>
-          <a:fontRef idx="minor">
-            <a:schemeClr val="tx1"/>
-          </a:fontRef>
-        </p:style>
-      </p:cxnSp>
-      <p:cxnSp>
-        <p:nvCxnSpPr>
-          <p:cNvPr id="94" name="Straight Arrow Connector 93">
-            <a:extLst>
-              <a:ext uri="{FF2B5EF4-FFF2-40B4-BE49-F238E27FC236}">
-                <a16:creationId xmlns:a16="http://schemas.microsoft.com/office/drawing/2014/main" id="{ABEB65B2-1C80-5E63-576A-FBB3F912BE6E}"/>
-              </a:ext>
-            </a:extLst>
-          </p:cNvPr>
-          <p:cNvCxnSpPr>
-            <a:cxnSpLocks/>
-            <a:endCxn id="77" idx="0"/>
-          </p:cNvCxnSpPr>
-          <p:nvPr/>
-        </p:nvCxnSpPr>
-        <p:spPr>
-          <a:xfrm>
-            <a:off x="6442655" y="3170092"/>
-            <a:ext cx="251188" cy="393478"/>
-          </a:xfrm>
-          <a:prstGeom prst="straightConnector1">
-            <a:avLst/>
-          </a:prstGeom>
-          <a:ln w="19050">
             <a:tailEnd type="triangle"/>
           </a:ln>
         </p:spPr>
@@ -5043,11 +4888,6 @@
                 <a:rPr lang="en-GB" sz="1400" dirty="0"/>
                 <a:t>2</a:t>
               </a:r>
-              <a:endParaRPr lang="en-GB" sz="1400" dirty="0">
-                <a:solidFill>
-                  <a:srgbClr val="FF0000"/>
-                </a:solidFill>
-              </a:endParaRPr>
             </a:p>
           </p:txBody>
         </p:sp>
@@ -5156,11 +4996,6 @@
                 <a:rPr lang="en-GB" sz="1400" dirty="0"/>
                 <a:t>2</a:t>
               </a:r>
-              <a:endParaRPr lang="en-GB" sz="1400" dirty="0">
-                <a:solidFill>
-                  <a:srgbClr val="FF0000"/>
-                </a:solidFill>
-              </a:endParaRPr>
             </a:p>
           </p:txBody>
         </p:sp>
@@ -5873,47 +5708,6 @@
       </p:cxnSp>
       <p:cxnSp>
         <p:nvCxnSpPr>
-          <p:cNvPr id="148" name="Straight Arrow Connector 147">
-            <a:extLst>
-              <a:ext uri="{FF2B5EF4-FFF2-40B4-BE49-F238E27FC236}">
-                <a16:creationId xmlns:a16="http://schemas.microsoft.com/office/drawing/2014/main" id="{B4189FF3-342A-9982-4EA8-3416BA7A3F6C}"/>
-              </a:ext>
-            </a:extLst>
-          </p:cNvPr>
-          <p:cNvCxnSpPr>
-            <a:cxnSpLocks/>
-          </p:cNvCxnSpPr>
-          <p:nvPr/>
-        </p:nvCxnSpPr>
-        <p:spPr>
-          <a:xfrm>
-            <a:off x="6108724" y="3866024"/>
-            <a:ext cx="126989" cy="399500"/>
-          </a:xfrm>
-          <a:prstGeom prst="straightConnector1">
-            <a:avLst/>
-          </a:prstGeom>
-          <a:ln w="19050">
-            <a:tailEnd type="triangle"/>
-          </a:ln>
-        </p:spPr>
-        <p:style>
-          <a:lnRef idx="1">
-            <a:schemeClr val="accent1"/>
-          </a:lnRef>
-          <a:fillRef idx="0">
-            <a:schemeClr val="accent1"/>
-          </a:fillRef>
-          <a:effectRef idx="0">
-            <a:schemeClr val="accent1"/>
-          </a:effectRef>
-          <a:fontRef idx="minor">
-            <a:schemeClr val="tx1"/>
-          </a:fontRef>
-        </p:style>
-      </p:cxnSp>
-      <p:cxnSp>
-        <p:nvCxnSpPr>
           <p:cNvPr id="149" name="Straight Arrow Connector 148">
             <a:extLst>
               <a:ext uri="{FF2B5EF4-FFF2-40B4-BE49-F238E27FC236}">
@@ -5935,47 +5729,6 @@
             <a:avLst/>
           </a:prstGeom>
           <a:ln w="31750">
-            <a:tailEnd type="triangle"/>
-          </a:ln>
-        </p:spPr>
-        <p:style>
-          <a:lnRef idx="1">
-            <a:schemeClr val="accent1"/>
-          </a:lnRef>
-          <a:fillRef idx="0">
-            <a:schemeClr val="accent1"/>
-          </a:fillRef>
-          <a:effectRef idx="0">
-            <a:schemeClr val="accent1"/>
-          </a:effectRef>
-          <a:fontRef idx="minor">
-            <a:schemeClr val="tx1"/>
-          </a:fontRef>
-        </p:style>
-      </p:cxnSp>
-      <p:cxnSp>
-        <p:nvCxnSpPr>
-          <p:cNvPr id="151" name="Straight Arrow Connector 150">
-            <a:extLst>
-              <a:ext uri="{FF2B5EF4-FFF2-40B4-BE49-F238E27FC236}">
-                <a16:creationId xmlns:a16="http://schemas.microsoft.com/office/drawing/2014/main" id="{FBF5747B-8BEB-34D1-5B9D-AE74EE0928C3}"/>
-              </a:ext>
-            </a:extLst>
-          </p:cNvPr>
-          <p:cNvCxnSpPr>
-            <a:cxnSpLocks/>
-          </p:cNvCxnSpPr>
-          <p:nvPr/>
-        </p:nvCxnSpPr>
-        <p:spPr>
-          <a:xfrm flipH="1">
-            <a:off x="6484746" y="3908070"/>
-            <a:ext cx="143067" cy="372974"/>
-          </a:xfrm>
-          <a:prstGeom prst="straightConnector1">
-            <a:avLst/>
-          </a:prstGeom>
-          <a:ln w="19050">
             <a:tailEnd type="triangle"/>
           </a:ln>
         </p:spPr>
@@ -6093,7 +5846,7 @@
             <p:spPr>
               <a:xfrm>
                 <a:off x="3970736" y="4391133"/>
-                <a:ext cx="2706062" cy="529184"/>
+                <a:ext cx="2322944" cy="529184"/>
               </a:xfrm>
               <a:prstGeom prst="rect">
                 <a:avLst/>
@@ -6125,19 +5878,7 @@
                           <a:rPr lang="en-GB" sz="2000" i="1" dirty="0">
                             <a:latin typeface="Cambria Math" panose="02040503050406030204" pitchFamily="18" charset="0"/>
                           </a:rPr>
-                          <m:t>0</m:t>
-                        </m:r>
-                        <m:r>
-                          <a:rPr lang="en-GB" sz="2000" i="1" baseline="30000" dirty="0">
-                            <a:latin typeface="Cambria Math" panose="02040503050406030204" pitchFamily="18" charset="0"/>
-                          </a:rPr>
-                          <m:t>  </m:t>
-                        </m:r>
-                        <m:r>
-                          <a:rPr lang="en-GB" sz="2000" i="1" dirty="0">
-                            <a:latin typeface="Cambria Math" panose="02040503050406030204" pitchFamily="18" charset="0"/>
-                          </a:rPr>
-                          <m:t>+ 1</m:t>
+                          <m:t>1</m:t>
                         </m:r>
                         <m:r>
                           <a:rPr lang="en-GB" sz="2000" i="1" baseline="30000" dirty="0">
@@ -6149,7 +5890,13 @@
                           <a:rPr lang="en-GB" sz="2000" i="1" dirty="0">
                             <a:latin typeface="Cambria Math" panose="02040503050406030204" pitchFamily="18" charset="0"/>
                           </a:rPr>
-                          <m:t>+ 1</m:t>
+                          <m:t>+</m:t>
+                        </m:r>
+                        <m:r>
+                          <a:rPr lang="en-GB" sz="2000" b="0" i="1" dirty="0" smtClean="0">
+                            <a:latin typeface="Cambria Math" panose="02040503050406030204" pitchFamily="18" charset="0"/>
+                          </a:rPr>
+                          <m:t>0</m:t>
                         </m:r>
                         <m:r>
                           <a:rPr lang="en-GB" sz="2000" i="1" baseline="30000" dirty="0">
@@ -6161,7 +5908,13 @@
                           <a:rPr lang="en-GB" sz="2000" i="1" dirty="0">
                             <a:latin typeface="Cambria Math" panose="02040503050406030204" pitchFamily="18" charset="0"/>
                           </a:rPr>
-                          <m:t>+ 1</m:t>
+                          <m:t>+</m:t>
+                        </m:r>
+                        <m:r>
+                          <a:rPr lang="en-GB" sz="2000" b="0" i="1" dirty="0" smtClean="0">
+                            <a:latin typeface="Cambria Math" panose="02040503050406030204" pitchFamily="18" charset="0"/>
+                          </a:rPr>
+                          <m:t>0</m:t>
                         </m:r>
                         <m:r>
                           <a:rPr lang="en-GB" sz="2000" i="1" baseline="30000" dirty="0">
@@ -6210,7 +5963,7 @@
             <p:spPr>
               <a:xfrm>
                 <a:off x="3970736" y="4391133"/>
-                <a:ext cx="2706062" cy="529184"/>
+                <a:ext cx="2322944" cy="529184"/>
               </a:xfrm>
               <a:prstGeom prst="rect">
                 <a:avLst/>
@@ -6218,7 +5971,7 @@
               <a:blipFill>
                 <a:blip r:embed="rId2"/>
                 <a:stretch>
-                  <a:fillRect l="-1869" t="-11628" b="-4651"/>
+                  <a:fillRect l="-2174" t="-11628" b="-4651"/>
                 </a:stretch>
               </a:blipFill>
             </p:spPr>
@@ -6414,10 +6167,10 @@
       </p:sp>
       <p:sp>
         <p:nvSpPr>
-          <p:cNvPr id="162" name="TextBox 161">
-            <a:extLst>
-              <a:ext uri="{FF2B5EF4-FFF2-40B4-BE49-F238E27FC236}">
-                <a16:creationId xmlns:a16="http://schemas.microsoft.com/office/drawing/2014/main" id="{8FF58718-64D1-81A2-80E0-237B7AED703A}"/>
+          <p:cNvPr id="163" name="TextBox 162">
+            <a:extLst>
+              <a:ext uri="{FF2B5EF4-FFF2-40B4-BE49-F238E27FC236}">
+                <a16:creationId xmlns:a16="http://schemas.microsoft.com/office/drawing/2014/main" id="{09225F2A-399F-494E-5D42-BC7BE61543B2}"/>
               </a:ext>
             </a:extLst>
           </p:cNvPr>
@@ -6426,7 +6179,7 @@
         </p:nvSpPr>
         <p:spPr>
           <a:xfrm>
-            <a:off x="6353733" y="3929708"/>
+            <a:off x="7128389" y="3166224"/>
             <a:ext cx="276038" cy="307777"/>
           </a:xfrm>
           <a:prstGeom prst="rect">
@@ -6449,10 +6202,10 @@
       </p:sp>
       <p:sp>
         <p:nvSpPr>
-          <p:cNvPr id="163" name="TextBox 162">
-            <a:extLst>
-              <a:ext uri="{FF2B5EF4-FFF2-40B4-BE49-F238E27FC236}">
-                <a16:creationId xmlns:a16="http://schemas.microsoft.com/office/drawing/2014/main" id="{09225F2A-399F-494E-5D42-BC7BE61543B2}"/>
+          <p:cNvPr id="164" name="TextBox 163">
+            <a:extLst>
+              <a:ext uri="{FF2B5EF4-FFF2-40B4-BE49-F238E27FC236}">
+                <a16:creationId xmlns:a16="http://schemas.microsoft.com/office/drawing/2014/main" id="{5B181296-83B9-6F20-4497-EFAFBA8984D2}"/>
               </a:ext>
             </a:extLst>
           </p:cNvPr>
@@ -6461,7 +6214,7 @@
         </p:nvSpPr>
         <p:spPr>
           <a:xfrm>
-            <a:off x="7128389" y="3166224"/>
+            <a:off x="4574137" y="3163813"/>
             <a:ext cx="276038" cy="307777"/>
           </a:xfrm>
           <a:prstGeom prst="rect">
@@ -6484,10 +6237,10 @@
       </p:sp>
       <p:sp>
         <p:nvSpPr>
-          <p:cNvPr id="164" name="TextBox 163">
-            <a:extLst>
-              <a:ext uri="{FF2B5EF4-FFF2-40B4-BE49-F238E27FC236}">
-                <a16:creationId xmlns:a16="http://schemas.microsoft.com/office/drawing/2014/main" id="{5B181296-83B9-6F20-4497-EFAFBA8984D2}"/>
+          <p:cNvPr id="165" name="TextBox 164">
+            <a:extLst>
+              <a:ext uri="{FF2B5EF4-FFF2-40B4-BE49-F238E27FC236}">
+                <a16:creationId xmlns:a16="http://schemas.microsoft.com/office/drawing/2014/main" id="{463DE3A9-6708-8CA3-0AC2-EF32D97756B7}"/>
               </a:ext>
             </a:extLst>
           </p:cNvPr>
@@ -6496,7 +6249,7 @@
         </p:nvSpPr>
         <p:spPr>
           <a:xfrm>
-            <a:off x="4574137" y="3163813"/>
+            <a:off x="4945088" y="3911060"/>
             <a:ext cx="276038" cy="307777"/>
           </a:xfrm>
           <a:prstGeom prst="rect">
@@ -6519,10 +6272,10 @@
       </p:sp>
       <p:sp>
         <p:nvSpPr>
-          <p:cNvPr id="165" name="TextBox 164">
-            <a:extLst>
-              <a:ext uri="{FF2B5EF4-FFF2-40B4-BE49-F238E27FC236}">
-                <a16:creationId xmlns:a16="http://schemas.microsoft.com/office/drawing/2014/main" id="{463DE3A9-6708-8CA3-0AC2-EF32D97756B7}"/>
+          <p:cNvPr id="170" name="TextBox 169">
+            <a:extLst>
+              <a:ext uri="{FF2B5EF4-FFF2-40B4-BE49-F238E27FC236}">
+                <a16:creationId xmlns:a16="http://schemas.microsoft.com/office/drawing/2014/main" id="{97E23C01-3695-5A57-5750-5CB09993361A}"/>
               </a:ext>
             </a:extLst>
           </p:cNvPr>
@@ -6531,7 +6284,7 @@
         </p:nvSpPr>
         <p:spPr>
           <a:xfrm>
-            <a:off x="4945088" y="3911060"/>
+            <a:off x="7604251" y="3151444"/>
             <a:ext cx="276038" cy="307777"/>
           </a:xfrm>
           <a:prstGeom prst="rect">
@@ -6540,24 +6293,24 @@
           <a:noFill/>
         </p:spPr>
         <p:txBody>
-          <a:bodyPr wrap="square" rtlCol="0">
+          <a:bodyPr wrap="none" rtlCol="0">
             <a:spAutoFit/>
           </a:bodyPr>
           <a:lstStyle/>
           <a:p>
             <a:r>
               <a:rPr lang="en-GB" sz="1400" dirty="0"/>
-              <a:t>0</a:t>
-            </a:r>
-          </a:p>
-        </p:txBody>
-      </p:sp>
-      <p:sp>
-        <p:nvSpPr>
-          <p:cNvPr id="170" name="TextBox 169">
-            <a:extLst>
-              <a:ext uri="{FF2B5EF4-FFF2-40B4-BE49-F238E27FC236}">
-                <a16:creationId xmlns:a16="http://schemas.microsoft.com/office/drawing/2014/main" id="{97E23C01-3695-5A57-5750-5CB09993361A}"/>
+              <a:t>1</a:t>
+            </a:r>
+          </a:p>
+        </p:txBody>
+      </p:sp>
+      <p:sp>
+        <p:nvSpPr>
+          <p:cNvPr id="172" name="TextBox 171">
+            <a:extLst>
+              <a:ext uri="{FF2B5EF4-FFF2-40B4-BE49-F238E27FC236}">
+                <a16:creationId xmlns:a16="http://schemas.microsoft.com/office/drawing/2014/main" id="{E2E97BFA-CD6F-4A9C-4863-42FB1027877E}"/>
               </a:ext>
             </a:extLst>
           </p:cNvPr>
@@ -6566,7 +6319,7 @@
         </p:nvSpPr>
         <p:spPr>
           <a:xfrm>
-            <a:off x="7604251" y="3151444"/>
+            <a:off x="6068066" y="1860467"/>
             <a:ext cx="276038" cy="307777"/>
           </a:xfrm>
           <a:prstGeom prst="rect">
@@ -6589,10 +6342,10 @@
       </p:sp>
       <p:sp>
         <p:nvSpPr>
-          <p:cNvPr id="171" name="TextBox 170">
-            <a:extLst>
-              <a:ext uri="{FF2B5EF4-FFF2-40B4-BE49-F238E27FC236}">
-                <a16:creationId xmlns:a16="http://schemas.microsoft.com/office/drawing/2014/main" id="{02F6A7B9-A78F-7555-FD55-C9EB57685356}"/>
+          <p:cNvPr id="173" name="TextBox 172">
+            <a:extLst>
+              <a:ext uri="{FF2B5EF4-FFF2-40B4-BE49-F238E27FC236}">
+                <a16:creationId xmlns:a16="http://schemas.microsoft.com/office/drawing/2014/main" id="{B9F3A1BD-869E-BD08-7726-7311907E397F}"/>
               </a:ext>
             </a:extLst>
           </p:cNvPr>
@@ -6601,7 +6354,7 @@
         </p:nvSpPr>
         <p:spPr>
           <a:xfrm>
-            <a:off x="6443159" y="3135711"/>
+            <a:off x="4545439" y="2487355"/>
             <a:ext cx="276038" cy="307777"/>
           </a:xfrm>
           <a:prstGeom prst="rect">
@@ -6624,10 +6377,10 @@
       </p:sp>
       <p:sp>
         <p:nvSpPr>
-          <p:cNvPr id="172" name="TextBox 171">
-            <a:extLst>
-              <a:ext uri="{FF2B5EF4-FFF2-40B4-BE49-F238E27FC236}">
-                <a16:creationId xmlns:a16="http://schemas.microsoft.com/office/drawing/2014/main" id="{E2E97BFA-CD6F-4A9C-4863-42FB1027877E}"/>
+          <p:cNvPr id="174" name="TextBox 173">
+            <a:extLst>
+              <a:ext uri="{FF2B5EF4-FFF2-40B4-BE49-F238E27FC236}">
+                <a16:creationId xmlns:a16="http://schemas.microsoft.com/office/drawing/2014/main" id="{5ED91565-B2E9-D52A-413C-EBBB5D775F6B}"/>
               </a:ext>
             </a:extLst>
           </p:cNvPr>
@@ -6636,7 +6389,7 @@
         </p:nvSpPr>
         <p:spPr>
           <a:xfrm>
-            <a:off x="6068066" y="1860467"/>
+            <a:off x="5056049" y="3167902"/>
             <a:ext cx="276038" cy="307777"/>
           </a:xfrm>
           <a:prstGeom prst="rect">
@@ -6659,10 +6412,10 @@
       </p:sp>
       <p:sp>
         <p:nvSpPr>
-          <p:cNvPr id="173" name="TextBox 172">
-            <a:extLst>
-              <a:ext uri="{FF2B5EF4-FFF2-40B4-BE49-F238E27FC236}">
-                <a16:creationId xmlns:a16="http://schemas.microsoft.com/office/drawing/2014/main" id="{B9F3A1BD-869E-BD08-7726-7311907E397F}"/>
+          <p:cNvPr id="177" name="TextBox 176">
+            <a:extLst>
+              <a:ext uri="{FF2B5EF4-FFF2-40B4-BE49-F238E27FC236}">
+                <a16:creationId xmlns:a16="http://schemas.microsoft.com/office/drawing/2014/main" id="{00ECC0C7-FAFB-C4E9-E8CE-C55B408853CF}"/>
               </a:ext>
             </a:extLst>
           </p:cNvPr>
@@ -6671,7 +6424,7 @@
         </p:nvSpPr>
         <p:spPr>
           <a:xfrm>
-            <a:off x="4545439" y="2487355"/>
+            <a:off x="7279626" y="3908070"/>
             <a:ext cx="276038" cy="307777"/>
           </a:xfrm>
           <a:prstGeom prst="rect">
@@ -6694,10 +6447,10 @@
       </p:sp>
       <p:sp>
         <p:nvSpPr>
-          <p:cNvPr id="174" name="TextBox 173">
-            <a:extLst>
-              <a:ext uri="{FF2B5EF4-FFF2-40B4-BE49-F238E27FC236}">
-                <a16:creationId xmlns:a16="http://schemas.microsoft.com/office/drawing/2014/main" id="{5ED91565-B2E9-D52A-413C-EBBB5D775F6B}"/>
+          <p:cNvPr id="178" name="TextBox 177">
+            <a:extLst>
+              <a:ext uri="{FF2B5EF4-FFF2-40B4-BE49-F238E27FC236}">
+                <a16:creationId xmlns:a16="http://schemas.microsoft.com/office/drawing/2014/main" id="{D8437F82-286D-4677-DEC2-72B396786A99}"/>
               </a:ext>
             </a:extLst>
           </p:cNvPr>
@@ -6706,7 +6459,7 @@
         </p:nvSpPr>
         <p:spPr>
           <a:xfrm>
-            <a:off x="5056049" y="3167902"/>
+            <a:off x="7897629" y="3906398"/>
             <a:ext cx="276038" cy="307777"/>
           </a:xfrm>
           <a:prstGeom prst="rect">
@@ -6729,10 +6482,10 @@
       </p:sp>
       <p:sp>
         <p:nvSpPr>
-          <p:cNvPr id="175" name="TextBox 174">
-            <a:extLst>
-              <a:ext uri="{FF2B5EF4-FFF2-40B4-BE49-F238E27FC236}">
-                <a16:creationId xmlns:a16="http://schemas.microsoft.com/office/drawing/2014/main" id="{E0F87C25-2DE5-1151-5162-2F1E5305B338}"/>
+          <p:cNvPr id="179" name="TextBox 178">
+            <a:extLst>
+              <a:ext uri="{FF2B5EF4-FFF2-40B4-BE49-F238E27FC236}">
+                <a16:creationId xmlns:a16="http://schemas.microsoft.com/office/drawing/2014/main" id="{E075707B-6C01-D22E-CF66-A9B12F55BD1C}"/>
               </a:ext>
             </a:extLst>
           </p:cNvPr>
@@ -6741,7 +6494,7 @@
         </p:nvSpPr>
         <p:spPr>
           <a:xfrm>
-            <a:off x="6088037" y="3872595"/>
+            <a:off x="4687914" y="3917831"/>
             <a:ext cx="276038" cy="307777"/>
           </a:xfrm>
           <a:prstGeom prst="rect">
@@ -6764,10 +6517,10 @@
       </p:sp>
       <p:sp>
         <p:nvSpPr>
-          <p:cNvPr id="177" name="TextBox 176">
-            <a:extLst>
-              <a:ext uri="{FF2B5EF4-FFF2-40B4-BE49-F238E27FC236}">
-                <a16:creationId xmlns:a16="http://schemas.microsoft.com/office/drawing/2014/main" id="{00ECC0C7-FAFB-C4E9-E8CE-C55B408853CF}"/>
+          <p:cNvPr id="180" name="TextBox 179">
+            <a:extLst>
+              <a:ext uri="{FF2B5EF4-FFF2-40B4-BE49-F238E27FC236}">
+                <a16:creationId xmlns:a16="http://schemas.microsoft.com/office/drawing/2014/main" id="{AAC9FEDA-7E11-5B3E-1467-BDF52F764C74}"/>
               </a:ext>
             </a:extLst>
           </p:cNvPr>
@@ -6776,7 +6529,7 @@
         </p:nvSpPr>
         <p:spPr>
           <a:xfrm>
-            <a:off x="7279626" y="3908070"/>
+            <a:off x="3524288" y="3892887"/>
             <a:ext cx="276038" cy="307777"/>
           </a:xfrm>
           <a:prstGeom prst="rect">
@@ -6797,12 +6550,53 @@
           </a:p>
         </p:txBody>
       </p:sp>
-      <p:sp>
-        <p:nvSpPr>
-          <p:cNvPr id="178" name="TextBox 177">
-            <a:extLst>
-              <a:ext uri="{FF2B5EF4-FFF2-40B4-BE49-F238E27FC236}">
-                <a16:creationId xmlns:a16="http://schemas.microsoft.com/office/drawing/2014/main" id="{D8437F82-286D-4677-DEC2-72B396786A99}"/>
+      <p:cxnSp>
+        <p:nvCxnSpPr>
+          <p:cNvPr id="2" name="Straight Arrow Connector 1">
+            <a:extLst>
+              <a:ext uri="{FF2B5EF4-FFF2-40B4-BE49-F238E27FC236}">
+                <a16:creationId xmlns:a16="http://schemas.microsoft.com/office/drawing/2014/main" id="{2BA80330-568E-CD44-BA4C-D7EF710269E0}"/>
+              </a:ext>
+            </a:extLst>
+          </p:cNvPr>
+          <p:cNvCxnSpPr>
+            <a:cxnSpLocks/>
+          </p:cNvCxnSpPr>
+          <p:nvPr/>
+        </p:nvCxnSpPr>
+        <p:spPr>
+          <a:xfrm flipH="1">
+            <a:off x="7639227" y="3893257"/>
+            <a:ext cx="143067" cy="372974"/>
+          </a:xfrm>
+          <a:prstGeom prst="straightConnector1">
+            <a:avLst/>
+          </a:prstGeom>
+          <a:ln w="19050">
+            <a:tailEnd type="triangle"/>
+          </a:ln>
+        </p:spPr>
+        <p:style>
+          <a:lnRef idx="1">
+            <a:schemeClr val="accent1"/>
+          </a:lnRef>
+          <a:fillRef idx="0">
+            <a:schemeClr val="accent1"/>
+          </a:fillRef>
+          <a:effectRef idx="0">
+            <a:schemeClr val="accent1"/>
+          </a:effectRef>
+          <a:fontRef idx="minor">
+            <a:schemeClr val="tx1"/>
+          </a:fontRef>
+        </p:style>
+      </p:cxnSp>
+      <p:sp>
+        <p:nvSpPr>
+          <p:cNvPr id="3" name="TextBox 2">
+            <a:extLst>
+              <a:ext uri="{FF2B5EF4-FFF2-40B4-BE49-F238E27FC236}">
+                <a16:creationId xmlns:a16="http://schemas.microsoft.com/office/drawing/2014/main" id="{99D401C5-D3AB-6671-7D88-1A0E7C6B0228}"/>
               </a:ext>
             </a:extLst>
           </p:cNvPr>
@@ -6811,7 +6605,7 @@
         </p:nvSpPr>
         <p:spPr>
           <a:xfrm>
-            <a:off x="7897629" y="3906398"/>
+            <a:off x="7527080" y="3908031"/>
             <a:ext cx="276038" cy="307777"/>
           </a:xfrm>
           <a:prstGeom prst="rect">
@@ -6820,24 +6614,24 @@
           <a:noFill/>
         </p:spPr>
         <p:txBody>
-          <a:bodyPr wrap="none" rtlCol="0">
+          <a:bodyPr wrap="square" rtlCol="0">
             <a:spAutoFit/>
           </a:bodyPr>
           <a:lstStyle/>
           <a:p>
             <a:r>
               <a:rPr lang="en-GB" sz="1400" dirty="0"/>
-              <a:t>1</a:t>
-            </a:r>
-          </a:p>
-        </p:txBody>
-      </p:sp>
-      <p:sp>
-        <p:nvSpPr>
-          <p:cNvPr id="179" name="TextBox 178">
-            <a:extLst>
-              <a:ext uri="{FF2B5EF4-FFF2-40B4-BE49-F238E27FC236}">
-                <a16:creationId xmlns:a16="http://schemas.microsoft.com/office/drawing/2014/main" id="{E075707B-6C01-D22E-CF66-A9B12F55BD1C}"/>
+              <a:t>0</a:t>
+            </a:r>
+          </a:p>
+        </p:txBody>
+      </p:sp>
+      <p:sp>
+        <p:nvSpPr>
+          <p:cNvPr id="9" name="TextBox 8">
+            <a:extLst>
+              <a:ext uri="{FF2B5EF4-FFF2-40B4-BE49-F238E27FC236}">
+                <a16:creationId xmlns:a16="http://schemas.microsoft.com/office/drawing/2014/main" id="{97F7283F-0384-C3F9-7347-979CE32502F9}"/>
               </a:ext>
             </a:extLst>
           </p:cNvPr>
@@ -6846,8 +6640,8 @@
         </p:nvSpPr>
         <p:spPr>
           <a:xfrm>
-            <a:off x="4687914" y="3917831"/>
-            <a:ext cx="276038" cy="307777"/>
+            <a:off x="7031282" y="2163853"/>
+            <a:ext cx="696024" cy="430887"/>
           </a:xfrm>
           <a:prstGeom prst="rect">
             <a:avLst/>
@@ -6861,18 +6655,21 @@
           <a:lstStyle/>
           <a:p>
             <a:r>
-              <a:rPr lang="en-GB" sz="1400" dirty="0"/>
-              <a:t>1</a:t>
-            </a:r>
-          </a:p>
-        </p:txBody>
-      </p:sp>
-      <p:sp>
-        <p:nvSpPr>
-          <p:cNvPr id="180" name="TextBox 179">
-            <a:extLst>
-              <a:ext uri="{FF2B5EF4-FFF2-40B4-BE49-F238E27FC236}">
-                <a16:creationId xmlns:a16="http://schemas.microsoft.com/office/drawing/2014/main" id="{AAC9FEDA-7E11-5B3E-1467-BDF52F764C74}"/>
+              <a:rPr lang="en-GB" sz="1000" dirty="0"/>
+              <a:t>p≥1 = 4.5 </a:t>
+            </a:r>
+          </a:p>
+          <a:p>
+            <a:endParaRPr lang="en-GB" sz="1200" dirty="0"/>
+          </a:p>
+        </p:txBody>
+      </p:sp>
+      <p:sp>
+        <p:nvSpPr>
+          <p:cNvPr id="10" name="TextBox 9">
+            <a:extLst>
+              <a:ext uri="{FF2B5EF4-FFF2-40B4-BE49-F238E27FC236}">
+                <a16:creationId xmlns:a16="http://schemas.microsoft.com/office/drawing/2014/main" id="{698BD65A-ECA5-23D3-9CFC-0D0E76427EF1}"/>
               </a:ext>
             </a:extLst>
           </p:cNvPr>
@@ -6881,8 +6678,8 @@
         </p:nvSpPr>
         <p:spPr>
           <a:xfrm>
-            <a:off x="3524288" y="3892887"/>
-            <a:ext cx="276038" cy="307777"/>
+            <a:off x="6486168" y="2791598"/>
+            <a:ext cx="761747" cy="430887"/>
           </a:xfrm>
           <a:prstGeom prst="rect">
             <a:avLst/>
@@ -6896,9 +6693,50 @@
           <a:lstStyle/>
           <a:p>
             <a:r>
-              <a:rPr lang="en-GB" sz="1400" dirty="0"/>
-              <a:t>1</a:t>
-            </a:r>
+              <a:rPr lang="en-GB" sz="1000" dirty="0"/>
+              <a:t>p≥2 = 2.25 </a:t>
+            </a:r>
+          </a:p>
+          <a:p>
+            <a:endParaRPr lang="en-GB" sz="1200" dirty="0"/>
+          </a:p>
+        </p:txBody>
+      </p:sp>
+      <p:sp>
+        <p:nvSpPr>
+          <p:cNvPr id="11" name="TextBox 10">
+            <a:extLst>
+              <a:ext uri="{FF2B5EF4-FFF2-40B4-BE49-F238E27FC236}">
+                <a16:creationId xmlns:a16="http://schemas.microsoft.com/office/drawing/2014/main" id="{A24BC933-6DB4-4B63-6D38-AF83585F6097}"/>
+              </a:ext>
+            </a:extLst>
+          </p:cNvPr>
+          <p:cNvSpPr txBox="1"/>
+          <p:nvPr/>
+        </p:nvSpPr>
+        <p:spPr>
+          <a:xfrm>
+            <a:off x="6136677" y="3497603"/>
+            <a:ext cx="827471" cy="430887"/>
+          </a:xfrm>
+          <a:prstGeom prst="rect">
+            <a:avLst/>
+          </a:prstGeom>
+          <a:noFill/>
+        </p:spPr>
+        <p:txBody>
+          <a:bodyPr wrap="none" rtlCol="0">
+            <a:spAutoFit/>
+          </a:bodyPr>
+          <a:lstStyle/>
+          <a:p>
+            <a:r>
+              <a:rPr lang="en-GB" sz="1000" dirty="0"/>
+              <a:t>p≥3 = 1.125 </a:t>
+            </a:r>
+          </a:p>
+          <a:p>
+            <a:endParaRPr lang="en-GB" sz="1200" dirty="0"/>
           </a:p>
         </p:txBody>
       </p:sp>
